--- a/final_ckd_presentation.pptx
+++ b/final_ckd_presentation.pptx
@@ -6440,7 +6440,7 @@
         </p:blipFill>
         <p:spPr>
           <a:xfrm>
-            <a:off x="20" y="1"/>
+            <a:off x="0" y="1"/>
             <a:ext cx="12191980" cy="6857999"/>
           </a:xfrm>
           <a:prstGeom prst="rect">
@@ -6550,10 +6550,10 @@
       </p:pic>
       <p:sp>
         <p:nvSpPr>
-          <p:cNvPr id="6" name="TextBox 5">
+          <p:cNvPr id="2" name="TextBox 1">
             <a:extLst>
               <a:ext uri="{FF2B5EF4-FFF2-40B4-BE49-F238E27FC236}">
-                <a16:creationId xmlns:a16="http://schemas.microsoft.com/office/drawing/2014/main" id="{A6381F4A-7111-F4BA-5BB9-88871CDECDC2}"/>
+                <a16:creationId xmlns:a16="http://schemas.microsoft.com/office/drawing/2014/main" id="{BB8BF594-0ADC-57CF-66D1-DC509CC4084F}"/>
               </a:ext>
             </a:extLst>
           </p:cNvPr>
@@ -6562,8 +6562,8 @@
         </p:nvSpPr>
         <p:spPr>
           <a:xfrm>
-            <a:off x="5105988" y="233308"/>
-            <a:ext cx="6851821" cy="5463034"/>
+            <a:off x="5095102" y="35518"/>
+            <a:ext cx="6851821" cy="6786473"/>
           </a:xfrm>
           <a:prstGeom prst="rect">
             <a:avLst/>
@@ -6580,7 +6580,7 @@
           <a:lstStyle/>
           <a:p>
             <a:r>
-              <a:rPr lang="en-US" sz="2000" b="1">
+              <a:rPr lang="en-US" sz="2000" b="1" dirty="0">
                 <a:solidFill>
                   <a:srgbClr val="FFFFFF"/>
                 </a:solidFill>
@@ -6590,25 +6590,29 @@
               </a:rPr>
               <a:t>Precision:</a:t>
             </a:r>
-            <a:endParaRPr lang="en-US"/>
-          </a:p>
-          <a:p>
-            <a:r>
-              <a:rPr lang="en-US" sz="1700">
-                <a:latin typeface="Calibri Light"/>
-                <a:ea typeface="Calibri Light"/>
-                <a:cs typeface="Calibri Light"/>
-              </a:rPr>
-              <a:t>A performance metric used to evaluate the effectiveness of a classification model, particularly in binary classification problems. It measures the ability of the model to correctly identify positive instances among all actual positive instances.</a:t>
-            </a:r>
-            <a:br>
-              <a:rPr lang="en-US" sz="1700">
-                <a:latin typeface="Calibri Light"/>
-                <a:ea typeface="Calibri Light"/>
-                <a:cs typeface="Calibri Light"/>
-              </a:rPr>
-            </a:br>
-            <a:endParaRPr lang="en-US" sz="1700">
+          </a:p>
+          <a:p>
+            <a:r>
+              <a:rPr lang="en-US" sz="1700" dirty="0">
+                <a:latin typeface="Calibri Light"/>
+                <a:ea typeface="Calibri Light"/>
+                <a:cs typeface="Calibri Light"/>
+              </a:rPr>
+              <a:t>For class 0: Precision is 0.97, meaning 97% of the instances predicted as class 0 were correct.</a:t>
+            </a:r>
+          </a:p>
+          <a:p>
+            <a:r>
+              <a:rPr lang="en-US" sz="1700" dirty="0">
+                <a:latin typeface="Calibri Light"/>
+                <a:ea typeface="Calibri Light"/>
+                <a:cs typeface="Calibri Light"/>
+              </a:rPr>
+              <a:t>For class 1: Precision is 1.00, meaning 100% of the instances predicted as class 1 were correct.</a:t>
+            </a:r>
+          </a:p>
+          <a:p>
+            <a:endParaRPr lang="en-US" sz="1700" dirty="0">
               <a:latin typeface="Calibri Light"/>
               <a:ea typeface="Calibri Light"/>
               <a:cs typeface="Calibri Light"/>
@@ -6616,7 +6620,7 @@
           </a:p>
           <a:p>
             <a:r>
-              <a:rPr lang="en-US" sz="2000" b="1">
+              <a:rPr lang="en-US" sz="2000" b="1" dirty="0">
                 <a:solidFill>
                   <a:srgbClr val="FFFFFF"/>
                 </a:solidFill>
@@ -6629,7 +6633,7 @@
           </a:p>
           <a:p>
             <a:r>
-              <a:rPr lang="en-US" sz="1700">
+              <a:rPr lang="en-US" sz="1700" dirty="0">
                 <a:latin typeface="Calibri Light"/>
                 <a:ea typeface="Calibri Light"/>
                 <a:cs typeface="Calibri Light"/>
@@ -6638,15 +6642,33 @@
             </a:r>
           </a:p>
           <a:p>
-            <a:endParaRPr lang="en-US" sz="1400" kern="100">
-              <a:latin typeface="Aptos" panose="02110004020202020204"/>
-              <a:ea typeface="Calibri Light"/>
+            <a:r>
+              <a:rPr lang="en-US" sz="1700" dirty="0">
+                <a:latin typeface="Calibri Light"/>
+                <a:ea typeface="Calibri Light"/>
+                <a:cs typeface="Calibri Light"/>
+              </a:rPr>
+              <a:t>For class 0: Recall is 1.00, meaning the model correctly identified all actual instances of class 0.</a:t>
+            </a:r>
+          </a:p>
+          <a:p>
+            <a:r>
+              <a:rPr lang="en-US" sz="1700" dirty="0">
+                <a:latin typeface="Calibri Light"/>
+                <a:ea typeface="Calibri Light"/>
+                <a:cs typeface="Calibri Light"/>
+              </a:rPr>
+              <a:t>For class 1: Recall is 0.98, meaning 98% of the actual instances of class 1 were correctly identified.</a:t>
+            </a:r>
+          </a:p>
+          <a:p>
+            <a:endParaRPr lang="en-US" sz="1400" kern="100" dirty="0">
               <a:cs typeface="Latha"/>
             </a:endParaRPr>
           </a:p>
           <a:p>
             <a:r>
-              <a:rPr lang="en-US" sz="2000" b="1">
+              <a:rPr lang="en-US" sz="2000" b="1" dirty="0">
                 <a:solidFill>
                   <a:srgbClr val="FFFFFF"/>
                 </a:solidFill>
@@ -6659,29 +6681,32 @@
           </a:p>
           <a:p>
             <a:r>
-              <a:rPr lang="en-US" sz="1700">
-                <a:latin typeface="Calibri Light"/>
-                <a:ea typeface="Calibri Light"/>
-                <a:cs typeface="Calibri Light"/>
-              </a:rPr>
-              <a:t>The F1 score ranges from 0 to 1, where 1 indicates perfect precision and recall, and 0 indicates the worst performance. It is particularly useful when you need a balance between precision and recall and when the cost of false positives and false negatives is similar.</a:t>
-            </a:r>
-            <a:br>
-              <a:rPr lang="en-US" sz="1700">
-                <a:latin typeface="Calibri Light"/>
-                <a:ea typeface="Calibri Light"/>
-                <a:cs typeface="Calibri Light"/>
-              </a:rPr>
-            </a:br>
-            <a:endParaRPr lang="en-US" sz="1700">
-              <a:latin typeface="Calibri Light"/>
-              <a:ea typeface="Calibri Light"/>
-              <a:cs typeface="Calibri Light"/>
+              <a:rPr lang="en-US" sz="1700" dirty="0">
+                <a:latin typeface="Calibri Light"/>
+                <a:ea typeface="Calibri Light"/>
+                <a:cs typeface="Calibri Light"/>
+              </a:rPr>
+              <a:t>This is the harmonic mean of precision and recall, providing a single score that balances both metrics. It is particularly useful when you need to account for both false positives and false negatives.</a:t>
+            </a:r>
+          </a:p>
+          <a:p>
+            <a:r>
+              <a:rPr lang="en-US" sz="1700" dirty="0">
+                <a:latin typeface="Calibri Light"/>
+                <a:ea typeface="Calibri Light"/>
+                <a:cs typeface="Calibri Light"/>
+              </a:rPr>
+              <a:t>For both classes, the F1-score is approximately 0.99, indicating a strong balance between precision and recall.</a:t>
+            </a:r>
+          </a:p>
+          <a:p>
+            <a:endParaRPr lang="en-US" kern="100" dirty="0">
+              <a:cs typeface="Latha"/>
             </a:endParaRPr>
           </a:p>
           <a:p>
             <a:r>
-              <a:rPr lang="en-US" sz="2000" b="1">
+              <a:rPr lang="en-US" sz="2000" b="1" dirty="0">
                 <a:solidFill>
                   <a:srgbClr val="FFFFFF"/>
                 </a:solidFill>
@@ -6694,12 +6719,12 @@
           </a:p>
           <a:p>
             <a:r>
-              <a:rPr lang="en-US" sz="1700">
-                <a:latin typeface="Calibri Light"/>
-                <a:ea typeface="Calibri Light"/>
-                <a:cs typeface="Calibri Light"/>
-              </a:rPr>
-              <a:t>This is the overall accuracy of the model, calculated as the ratio of correctly predicted instances to the total instances. Here, the accuracy is 0.99, meaning the model correctly predicted 99% of the instances.</a:t>
+              <a:rPr lang="en-US" sz="1700" dirty="0">
+                <a:latin typeface="Calibri Light"/>
+                <a:ea typeface="Calibri Light"/>
+                <a:cs typeface="Calibri Light"/>
+              </a:rPr>
+              <a:t> This is the overall accuracy of the model, calculated as the ratio of correctly predicted instances to the total instances. Here, the accuracy is 0.99, meaning the model correctly predicted 99% of the instances.</a:t>
             </a:r>
           </a:p>
         </p:txBody>
